--- a/Powerpoint/PrecisionRecall.pptx
+++ b/Powerpoint/PrecisionRecall.pptx
@@ -261,7 +261,7 @@
           <a:p>
             <a:fld id="{855112C6-7AE8-47ED-BDC8-794BFD6F76AA}" type="datetimeFigureOut">
               <a:rPr lang="en-US" smtClean="0"/>
-              <a:t>2/19/2019</a:t>
+              <a:t>3/20/2019</a:t>
             </a:fld>
             <a:endParaRPr lang="en-US"/>
           </a:p>
@@ -461,7 +461,7 @@
           <a:p>
             <a:fld id="{855112C6-7AE8-47ED-BDC8-794BFD6F76AA}" type="datetimeFigureOut">
               <a:rPr lang="en-US" smtClean="0"/>
-              <a:t>2/19/2019</a:t>
+              <a:t>3/20/2019</a:t>
             </a:fld>
             <a:endParaRPr lang="en-US"/>
           </a:p>
@@ -671,7 +671,7 @@
           <a:p>
             <a:fld id="{855112C6-7AE8-47ED-BDC8-794BFD6F76AA}" type="datetimeFigureOut">
               <a:rPr lang="en-US" smtClean="0"/>
-              <a:t>2/19/2019</a:t>
+              <a:t>3/20/2019</a:t>
             </a:fld>
             <a:endParaRPr lang="en-US"/>
           </a:p>
@@ -871,7 +871,7 @@
           <a:p>
             <a:fld id="{855112C6-7AE8-47ED-BDC8-794BFD6F76AA}" type="datetimeFigureOut">
               <a:rPr lang="en-US" smtClean="0"/>
-              <a:t>2/19/2019</a:t>
+              <a:t>3/20/2019</a:t>
             </a:fld>
             <a:endParaRPr lang="en-US"/>
           </a:p>
@@ -1147,7 +1147,7 @@
           <a:p>
             <a:fld id="{855112C6-7AE8-47ED-BDC8-794BFD6F76AA}" type="datetimeFigureOut">
               <a:rPr lang="en-US" smtClean="0"/>
-              <a:t>2/19/2019</a:t>
+              <a:t>3/20/2019</a:t>
             </a:fld>
             <a:endParaRPr lang="en-US"/>
           </a:p>
@@ -1415,7 +1415,7 @@
           <a:p>
             <a:fld id="{855112C6-7AE8-47ED-BDC8-794BFD6F76AA}" type="datetimeFigureOut">
               <a:rPr lang="en-US" smtClean="0"/>
-              <a:t>2/19/2019</a:t>
+              <a:t>3/20/2019</a:t>
             </a:fld>
             <a:endParaRPr lang="en-US"/>
           </a:p>
@@ -1830,7 +1830,7 @@
           <a:p>
             <a:fld id="{855112C6-7AE8-47ED-BDC8-794BFD6F76AA}" type="datetimeFigureOut">
               <a:rPr lang="en-US" smtClean="0"/>
-              <a:t>2/19/2019</a:t>
+              <a:t>3/20/2019</a:t>
             </a:fld>
             <a:endParaRPr lang="en-US"/>
           </a:p>
@@ -1972,7 +1972,7 @@
           <a:p>
             <a:fld id="{855112C6-7AE8-47ED-BDC8-794BFD6F76AA}" type="datetimeFigureOut">
               <a:rPr lang="en-US" smtClean="0"/>
-              <a:t>2/19/2019</a:t>
+              <a:t>3/20/2019</a:t>
             </a:fld>
             <a:endParaRPr lang="en-US"/>
           </a:p>
@@ -2085,7 +2085,7 @@
           <a:p>
             <a:fld id="{855112C6-7AE8-47ED-BDC8-794BFD6F76AA}" type="datetimeFigureOut">
               <a:rPr lang="en-US" smtClean="0"/>
-              <a:t>2/19/2019</a:t>
+              <a:t>3/20/2019</a:t>
             </a:fld>
             <a:endParaRPr lang="en-US"/>
           </a:p>
@@ -2398,7 +2398,7 @@
           <a:p>
             <a:fld id="{855112C6-7AE8-47ED-BDC8-794BFD6F76AA}" type="datetimeFigureOut">
               <a:rPr lang="en-US" smtClean="0"/>
-              <a:t>2/19/2019</a:t>
+              <a:t>3/20/2019</a:t>
             </a:fld>
             <a:endParaRPr lang="en-US"/>
           </a:p>
@@ -2687,7 +2687,7 @@
           <a:p>
             <a:fld id="{855112C6-7AE8-47ED-BDC8-794BFD6F76AA}" type="datetimeFigureOut">
               <a:rPr lang="en-US" smtClean="0"/>
-              <a:t>2/19/2019</a:t>
+              <a:t>3/20/2019</a:t>
             </a:fld>
             <a:endParaRPr lang="en-US"/>
           </a:p>
@@ -2930,7 +2930,7 @@
           <a:p>
             <a:fld id="{855112C6-7AE8-47ED-BDC8-794BFD6F76AA}" type="datetimeFigureOut">
               <a:rPr lang="en-US" smtClean="0"/>
-              <a:t>2/19/2019</a:t>
+              <a:t>3/20/2019</a:t>
             </a:fld>
             <a:endParaRPr lang="en-US"/>
           </a:p>
@@ -5281,7 +5281,7 @@
         <p:spPr>
           <a:xfrm>
             <a:off x="2053234" y="3183943"/>
-            <a:ext cx="1131570" cy="400110"/>
+            <a:ext cx="1131570" cy="707886"/>
           </a:xfrm>
           <a:prstGeom prst="rect">
             <a:avLst/>
@@ -5297,7 +5297,23 @@
             <a:pPr algn="ctr"/>
             <a:r>
               <a:rPr lang="en-US" sz="1000" dirty="0"/>
-              <a:t>Identified Microservices</a:t>
+              <a:t>Identified Microservices </a:t>
+            </a:r>
+            <a:r>
+              <a:rPr lang="en-US" sz="1000" b="1" dirty="0"/>
+              <a:t>OR</a:t>
+            </a:r>
+            <a:r>
+              <a:rPr lang="en-US" sz="1000" dirty="0"/>
+              <a:t> Functionality </a:t>
+            </a:r>
+            <a:r>
+              <a:rPr lang="en-US" sz="1000" b="1" dirty="0"/>
+              <a:t>OR</a:t>
+            </a:r>
+            <a:r>
+              <a:rPr lang="en-US" sz="1000" dirty="0"/>
+              <a:t> Data Objects</a:t>
             </a:r>
           </a:p>
         </p:txBody>
